--- a/presentation/ChrisCaldarella_project4_presentation.pptx
+++ b/presentation/ChrisCaldarella_project4_presentation.pptx
@@ -6,12 +6,13 @@
   </p:sldMasterIdLst>
   <p:sldIdLst>
     <p:sldId id="298" r:id="rId5"/>
-    <p:sldId id="302" r:id="rId6"/>
-    <p:sldId id="303" r:id="rId7"/>
-    <p:sldId id="304" r:id="rId8"/>
-    <p:sldId id="305" r:id="rId9"/>
-    <p:sldId id="306" r:id="rId10"/>
-    <p:sldId id="301" r:id="rId11"/>
+    <p:sldId id="307" r:id="rId6"/>
+    <p:sldId id="302" r:id="rId7"/>
+    <p:sldId id="303" r:id="rId8"/>
+    <p:sldId id="304" r:id="rId9"/>
+    <p:sldId id="305" r:id="rId10"/>
+    <p:sldId id="306" r:id="rId11"/>
+    <p:sldId id="301" r:id="rId12"/>
   </p:sldIdLst>
   <p:sldSz cx="12192000" cy="6858000"/>
   <p:notesSz cx="6858000" cy="9144000"/>
@@ -3796,6 +3797,14 @@
 <file path=ppt/slides/slide2.xml><?xml version="1.0" encoding="utf-8"?>
 <p:sld xmlns:a="http://schemas.openxmlformats.org/drawingml/2006/main" xmlns:r="http://schemas.openxmlformats.org/officeDocument/2006/relationships" xmlns:p="http://schemas.openxmlformats.org/presentationml/2006/main">
   <p:cSld>
+    <p:bg>
+      <p:bgPr>
+        <a:solidFill>
+          <a:schemeClr val="bg1"/>
+        </a:solidFill>
+        <a:effectLst/>
+      </p:bgPr>
+    </p:bg>
     <p:spTree>
       <p:nvGrpSpPr>
         <p:cNvPr id="1" name=""/>
@@ -3810,67 +3819,217 @@
           <a:chExt cx="0" cy="0"/>
         </a:xfrm>
       </p:grpSpPr>
+      <p:sp useBgFill="1">
+        <p:nvSpPr>
+          <p:cNvPr id="8" name="Rectangle 7">
+            <a:extLst>
+              <a:ext uri="{FF2B5EF4-FFF2-40B4-BE49-F238E27FC236}">
+                <a16:creationId xmlns:a16="http://schemas.microsoft.com/office/drawing/2014/main" id="{8C6E698C-8155-4B8B-BDC9-B7299772B509}"/>
+              </a:ext>
+              <a:ext uri="{C183D7F6-B498-43B3-948B-1728B52AA6E4}">
+                <adec:decorative xmlns:adec="http://schemas.microsoft.com/office/drawing/2017/decorative" val="1"/>
+              </a:ext>
+            </a:extLst>
+          </p:cNvPr>
+          <p:cNvSpPr>
+            <a:spLocks noGrp="1" noRot="1" noChangeAspect="1" noMove="1" noResize="1" noEditPoints="1" noAdjustHandles="1" noChangeArrowheads="1" noChangeShapeType="1" noTextEdit="1"/>
+          </p:cNvSpPr>
+          <p:nvPr>
+            <p:extLst>
+              <p:ext uri="{386F3935-93C4-4BCD-93E2-E3B085C9AB24}">
+                <p16:designElem xmlns:p16="http://schemas.microsoft.com/office/powerpoint/2015/main" val="1"/>
+              </p:ext>
+            </p:extLst>
+          </p:nvPr>
+        </p:nvSpPr>
+        <p:spPr>
+          <a:xfrm>
+            <a:off x="3048" y="0"/>
+            <a:ext cx="12188952" cy="6858000"/>
+          </a:xfrm>
+          <a:prstGeom prst="rect">
+            <a:avLst/>
+          </a:prstGeom>
+          <a:ln>
+            <a:noFill/>
+          </a:ln>
+        </p:spPr>
+        <p:style>
+          <a:lnRef idx="2">
+            <a:schemeClr val="accent1">
+              <a:shade val="50000"/>
+            </a:schemeClr>
+          </a:lnRef>
+          <a:fillRef idx="1">
+            <a:schemeClr val="accent1"/>
+          </a:fillRef>
+          <a:effectRef idx="0">
+            <a:schemeClr val="accent1"/>
+          </a:effectRef>
+          <a:fontRef idx="minor">
+            <a:schemeClr val="lt1"/>
+          </a:fontRef>
+        </p:style>
+        <p:txBody>
+          <a:bodyPr rtlCol="0" anchor="ctr"/>
+          <a:lstStyle/>
+          <a:p>
+            <a:pPr algn="ctr"/>
+            <a:endParaRPr lang="en-US"/>
+          </a:p>
+        </p:txBody>
+      </p:sp>
       <p:sp>
         <p:nvSpPr>
           <p:cNvPr id="2" name="Title 1">
             <a:extLst>
               <a:ext uri="{FF2B5EF4-FFF2-40B4-BE49-F238E27FC236}">
-                <a16:creationId xmlns:a16="http://schemas.microsoft.com/office/drawing/2014/main" id="{1C88586E-6594-4782-B1F1-CD7EC8D9D2C3}"/>
-              </a:ext>
-            </a:extLst>
-          </p:cNvPr>
-          <p:cNvSpPr>
-            <a:spLocks noGrp="1"/>
-          </p:cNvSpPr>
-          <p:nvPr>
-            <p:ph type="title"/>
-          </p:nvPr>
-        </p:nvSpPr>
-        <p:spPr/>
-        <p:txBody>
-          <a:bodyPr/>
+                <a16:creationId xmlns:a16="http://schemas.microsoft.com/office/drawing/2014/main" id="{48B47805-770D-4B3C-97BA-05E21E0DA54D}"/>
+              </a:ext>
+            </a:extLst>
+          </p:cNvPr>
+          <p:cNvSpPr>
+            <a:spLocks noGrp="1"/>
+          </p:cNvSpPr>
+          <p:nvPr>
+            <p:ph type="ctrTitle"/>
+          </p:nvPr>
+        </p:nvSpPr>
+        <p:spPr>
+          <a:xfrm>
+            <a:off x="5220928" y="965200"/>
+            <a:ext cx="5999002" cy="4927600"/>
+          </a:xfrm>
+        </p:spPr>
+        <p:txBody>
+          <a:bodyPr anchor="ctr">
+            <a:normAutofit/>
+          </a:bodyPr>
           <a:lstStyle/>
           <a:p>
             <a:r>
-              <a:rPr lang="en-US" dirty="0"/>
-              <a:t>Null Model</a:t>
-            </a:r>
-          </a:p>
-        </p:txBody>
-      </p:sp>
-      <p:pic>
-        <p:nvPicPr>
-          <p:cNvPr id="5" name="Content Placeholder 4" descr="Chart&#10;&#10;Description automatically generated">
-            <a:extLst>
-              <a:ext uri="{FF2B5EF4-FFF2-40B4-BE49-F238E27FC236}">
-                <a16:creationId xmlns:a16="http://schemas.microsoft.com/office/drawing/2014/main" id="{CCFA6703-F2C7-4FF1-A18E-6DC411C1EEAF}"/>
-              </a:ext>
-            </a:extLst>
-          </p:cNvPr>
-          <p:cNvPicPr>
-            <a:picLocks noGrp="1" noChangeAspect="1"/>
-          </p:cNvPicPr>
-          <p:nvPr>
-            <p:ph idx="1"/>
-          </p:nvPr>
-        </p:nvPicPr>
-        <p:blipFill>
-          <a:blip r:embed="rId2"/>
-          <a:stretch>
-            <a:fillRect/>
-          </a:stretch>
-        </p:blipFill>
-        <p:spPr>
-          <a:xfrm>
-            <a:off x="1096963" y="2406314"/>
-            <a:ext cx="10058400" cy="3164559"/>
-          </a:xfrm>
-        </p:spPr>
-      </p:pic>
+              <a:rPr lang="en-US" sz="6000">
+                <a:solidFill>
+                  <a:schemeClr val="tx2"/>
+                </a:solidFill>
+              </a:rPr>
+              <a:t>Problem Statement</a:t>
+            </a:r>
+          </a:p>
+        </p:txBody>
+      </p:sp>
+      <p:sp>
+        <p:nvSpPr>
+          <p:cNvPr id="10" name="Rectangle 9">
+            <a:extLst>
+              <a:ext uri="{FF2B5EF4-FFF2-40B4-BE49-F238E27FC236}">
+                <a16:creationId xmlns:a16="http://schemas.microsoft.com/office/drawing/2014/main" id="{0EEF5601-A8BC-411D-AA64-3E79320BA122}"/>
+              </a:ext>
+              <a:ext uri="{C183D7F6-B498-43B3-948B-1728B52AA6E4}">
+                <adec:decorative xmlns:adec="http://schemas.microsoft.com/office/drawing/2017/decorative" val="1"/>
+              </a:ext>
+            </a:extLst>
+          </p:cNvPr>
+          <p:cNvSpPr>
+            <a:spLocks noGrp="1" noRot="1" noChangeAspect="1" noMove="1" noResize="1" noEditPoints="1" noAdjustHandles="1" noChangeArrowheads="1" noChangeShapeType="1" noTextEdit="1"/>
+          </p:cNvSpPr>
+          <p:nvPr>
+            <p:extLst>
+              <p:ext uri="{386F3935-93C4-4BCD-93E2-E3B085C9AB24}">
+                <p16:designElem xmlns:p16="http://schemas.microsoft.com/office/powerpoint/2015/main" val="1"/>
+              </p:ext>
+            </p:extLst>
+          </p:nvPr>
+        </p:nvSpPr>
+        <p:spPr bwMode="white">
+          <a:xfrm>
+            <a:off x="0" y="0"/>
+            <a:ext cx="4584734" cy="6858000"/>
+          </a:xfrm>
+          <a:prstGeom prst="rect">
+            <a:avLst/>
+          </a:prstGeom>
+          <a:solidFill>
+            <a:srgbClr val="262626"/>
+          </a:solidFill>
+          <a:ln>
+            <a:noFill/>
+          </a:ln>
+        </p:spPr>
+        <p:style>
+          <a:lnRef idx="2">
+            <a:schemeClr val="accent1">
+              <a:shade val="50000"/>
+            </a:schemeClr>
+          </a:lnRef>
+          <a:fillRef idx="1">
+            <a:schemeClr val="accent1"/>
+          </a:fillRef>
+          <a:effectRef idx="0">
+            <a:schemeClr val="accent1"/>
+          </a:effectRef>
+          <a:fontRef idx="minor">
+            <a:schemeClr val="lt1"/>
+          </a:fontRef>
+        </p:style>
+      </p:sp>
+      <p:sp>
+        <p:nvSpPr>
+          <p:cNvPr id="3" name="Subtitle 2">
+            <a:extLst>
+              <a:ext uri="{FF2B5EF4-FFF2-40B4-BE49-F238E27FC236}">
+                <a16:creationId xmlns:a16="http://schemas.microsoft.com/office/drawing/2014/main" id="{5775DD16-8C5E-46E7-9245-DAEAEB41C8E9}"/>
+              </a:ext>
+            </a:extLst>
+          </p:cNvPr>
+          <p:cNvSpPr>
+            <a:spLocks noGrp="1"/>
+          </p:cNvSpPr>
+          <p:nvPr>
+            <p:ph type="subTitle" idx="1"/>
+          </p:nvPr>
+        </p:nvSpPr>
+        <p:spPr>
+          <a:xfrm>
+            <a:off x="823355" y="1159565"/>
+            <a:ext cx="3439646" cy="4439055"/>
+          </a:xfrm>
+        </p:spPr>
+        <p:txBody>
+          <a:bodyPr anchor="ctr">
+            <a:normAutofit/>
+          </a:bodyPr>
+          <a:lstStyle/>
+          <a:p>
+            <a:pPr>
+              <a:lnSpc>
+                <a:spcPct val="100000"/>
+              </a:lnSpc>
+            </a:pPr>
+            <a:r>
+              <a:rPr lang="en-US" sz="2200" b="0" i="0">
+                <a:solidFill>
+                  <a:srgbClr val="FFFFFF"/>
+                </a:solidFill>
+                <a:effectLst/>
+                <a:latin typeface="-apple-system"/>
+              </a:rPr>
+              <a:t>Using data from EIA (US Energy Information Administration) are there any patterns in electricity usage in North Carolina from 2001 through 2011, and can we use this data to make a predictive Time-Series Model?</a:t>
+            </a:r>
+            <a:endParaRPr lang="en-US" sz="2200">
+              <a:solidFill>
+                <a:srgbClr val="FFFFFF"/>
+              </a:solidFill>
+              <a:latin typeface="Arial" panose="020B0604020202020204" pitchFamily="34" charset="0"/>
+              <a:cs typeface="Arial" panose="020B0604020202020204" pitchFamily="34" charset="0"/>
+            </a:endParaRPr>
+          </a:p>
+        </p:txBody>
+      </p:sp>
     </p:spTree>
     <p:extLst>
       <p:ext uri="{BB962C8B-B14F-4D97-AF65-F5344CB8AC3E}">
-        <p14:creationId xmlns:p14="http://schemas.microsoft.com/office/powerpoint/2010/main" val="2991403278"/>
+        <p14:creationId xmlns:p14="http://schemas.microsoft.com/office/powerpoint/2010/main" val="3883283951"/>
       </p:ext>
     </p:extLst>
   </p:cSld>
@@ -3902,7 +4061,7 @@
           <p:cNvPr id="2" name="Title 1">
             <a:extLst>
               <a:ext uri="{FF2B5EF4-FFF2-40B4-BE49-F238E27FC236}">
-                <a16:creationId xmlns:a16="http://schemas.microsoft.com/office/drawing/2014/main" id="{F85DF17F-A966-4FDC-B6D9-1D51D77F2B79}"/>
+                <a16:creationId xmlns:a16="http://schemas.microsoft.com/office/drawing/2014/main" id="{1C88586E-6594-4782-B1F1-CD7EC8D9D2C3}"/>
               </a:ext>
             </a:extLst>
           </p:cNvPr>
@@ -3920,17 +4079,17 @@
           <a:p>
             <a:r>
               <a:rPr lang="en-US" dirty="0"/>
-              <a:t>Holt-Winters and SARIMAX</a:t>
+              <a:t>Null Model</a:t>
             </a:r>
           </a:p>
         </p:txBody>
       </p:sp>
       <p:pic>
         <p:nvPicPr>
-          <p:cNvPr id="5" name="Content Placeholder 4" descr="A picture containing chart&#10;&#10;Description automatically generated">
-            <a:extLst>
-              <a:ext uri="{FF2B5EF4-FFF2-40B4-BE49-F238E27FC236}">
-                <a16:creationId xmlns:a16="http://schemas.microsoft.com/office/drawing/2014/main" id="{3E1ED148-6ACE-4EB4-A74A-0D631F563964}"/>
+          <p:cNvPr id="5" name="Content Placeholder 4" descr="Chart&#10;&#10;Description automatically generated">
+            <a:extLst>
+              <a:ext uri="{FF2B5EF4-FFF2-40B4-BE49-F238E27FC236}">
+                <a16:creationId xmlns:a16="http://schemas.microsoft.com/office/drawing/2014/main" id="{CCFA6703-F2C7-4FF1-A18E-6DC411C1EEAF}"/>
               </a:ext>
             </a:extLst>
           </p:cNvPr>
@@ -3949,15 +4108,15 @@
         </p:blipFill>
         <p:spPr>
           <a:xfrm>
-            <a:off x="1096963" y="2194002"/>
-            <a:ext cx="10058400" cy="3589184"/>
+            <a:off x="1096963" y="2406314"/>
+            <a:ext cx="10058400" cy="3164559"/>
           </a:xfrm>
         </p:spPr>
       </p:pic>
     </p:spTree>
     <p:extLst>
       <p:ext uri="{BB962C8B-B14F-4D97-AF65-F5344CB8AC3E}">
-        <p14:creationId xmlns:p14="http://schemas.microsoft.com/office/powerpoint/2010/main" val="3798056938"/>
+        <p14:creationId xmlns:p14="http://schemas.microsoft.com/office/powerpoint/2010/main" val="2991403278"/>
       </p:ext>
     </p:extLst>
   </p:cSld>
@@ -3989,7 +4148,7 @@
           <p:cNvPr id="2" name="Title 1">
             <a:extLst>
               <a:ext uri="{FF2B5EF4-FFF2-40B4-BE49-F238E27FC236}">
-                <a16:creationId xmlns:a16="http://schemas.microsoft.com/office/drawing/2014/main" id="{7E0A8CC9-E617-4D2A-915F-15991B0C208E}"/>
+                <a16:creationId xmlns:a16="http://schemas.microsoft.com/office/drawing/2014/main" id="{F85DF17F-A966-4FDC-B6D9-1D51D77F2B79}"/>
               </a:ext>
             </a:extLst>
           </p:cNvPr>
@@ -4014,10 +4173,10 @@
       </p:sp>
       <p:pic>
         <p:nvPicPr>
-          <p:cNvPr id="7" name="Content Placeholder 6" descr="Chart, line chart&#10;&#10;Description automatically generated">
-            <a:extLst>
-              <a:ext uri="{FF2B5EF4-FFF2-40B4-BE49-F238E27FC236}">
-                <a16:creationId xmlns:a16="http://schemas.microsoft.com/office/drawing/2014/main" id="{820B239D-9DA4-42FA-9AB2-59326FC5AEB7}"/>
+          <p:cNvPr id="5" name="Content Placeholder 4" descr="A picture containing chart&#10;&#10;Description automatically generated">
+            <a:extLst>
+              <a:ext uri="{FF2B5EF4-FFF2-40B4-BE49-F238E27FC236}">
+                <a16:creationId xmlns:a16="http://schemas.microsoft.com/office/drawing/2014/main" id="{3E1ED148-6ACE-4EB4-A74A-0D631F563964}"/>
               </a:ext>
             </a:extLst>
           </p:cNvPr>
@@ -4036,15 +4195,15 @@
         </p:blipFill>
         <p:spPr>
           <a:xfrm>
-            <a:off x="1096963" y="2211897"/>
-            <a:ext cx="10058400" cy="3553394"/>
+            <a:off x="1096963" y="2194002"/>
+            <a:ext cx="10058400" cy="3589184"/>
           </a:xfrm>
         </p:spPr>
       </p:pic>
     </p:spTree>
     <p:extLst>
       <p:ext uri="{BB962C8B-B14F-4D97-AF65-F5344CB8AC3E}">
-        <p14:creationId xmlns:p14="http://schemas.microsoft.com/office/powerpoint/2010/main" val="2224661905"/>
+        <p14:creationId xmlns:p14="http://schemas.microsoft.com/office/powerpoint/2010/main" val="3798056938"/>
       </p:ext>
     </p:extLst>
   </p:cSld>
@@ -4076,6 +4235,93 @@
           <p:cNvPr id="2" name="Title 1">
             <a:extLst>
               <a:ext uri="{FF2B5EF4-FFF2-40B4-BE49-F238E27FC236}">
+                <a16:creationId xmlns:a16="http://schemas.microsoft.com/office/drawing/2014/main" id="{7E0A8CC9-E617-4D2A-915F-15991B0C208E}"/>
+              </a:ext>
+            </a:extLst>
+          </p:cNvPr>
+          <p:cNvSpPr>
+            <a:spLocks noGrp="1"/>
+          </p:cNvSpPr>
+          <p:nvPr>
+            <p:ph type="title"/>
+          </p:nvPr>
+        </p:nvSpPr>
+        <p:spPr/>
+        <p:txBody>
+          <a:bodyPr/>
+          <a:lstStyle/>
+          <a:p>
+            <a:r>
+              <a:rPr lang="en-US" dirty="0"/>
+              <a:t>Holt-Winters and SARIMAX</a:t>
+            </a:r>
+          </a:p>
+        </p:txBody>
+      </p:sp>
+      <p:pic>
+        <p:nvPicPr>
+          <p:cNvPr id="7" name="Content Placeholder 6" descr="Chart, line chart&#10;&#10;Description automatically generated">
+            <a:extLst>
+              <a:ext uri="{FF2B5EF4-FFF2-40B4-BE49-F238E27FC236}">
+                <a16:creationId xmlns:a16="http://schemas.microsoft.com/office/drawing/2014/main" id="{820B239D-9DA4-42FA-9AB2-59326FC5AEB7}"/>
+              </a:ext>
+            </a:extLst>
+          </p:cNvPr>
+          <p:cNvPicPr>
+            <a:picLocks noGrp="1" noChangeAspect="1"/>
+          </p:cNvPicPr>
+          <p:nvPr>
+            <p:ph idx="1"/>
+          </p:nvPr>
+        </p:nvPicPr>
+        <p:blipFill>
+          <a:blip r:embed="rId2"/>
+          <a:stretch>
+            <a:fillRect/>
+          </a:stretch>
+        </p:blipFill>
+        <p:spPr>
+          <a:xfrm>
+            <a:off x="1096963" y="2211897"/>
+            <a:ext cx="10058400" cy="3553394"/>
+          </a:xfrm>
+        </p:spPr>
+      </p:pic>
+    </p:spTree>
+    <p:extLst>
+      <p:ext uri="{BB962C8B-B14F-4D97-AF65-F5344CB8AC3E}">
+        <p14:creationId xmlns:p14="http://schemas.microsoft.com/office/powerpoint/2010/main" val="2224661905"/>
+      </p:ext>
+    </p:extLst>
+  </p:cSld>
+  <p:clrMapOvr>
+    <a:masterClrMapping/>
+  </p:clrMapOvr>
+</p:sld>
+</file>
+
+<file path=ppt/slides/slide6.xml><?xml version="1.0" encoding="utf-8"?>
+<p:sld xmlns:a="http://schemas.openxmlformats.org/drawingml/2006/main" xmlns:r="http://schemas.openxmlformats.org/officeDocument/2006/relationships" xmlns:p="http://schemas.openxmlformats.org/presentationml/2006/main">
+  <p:cSld>
+    <p:spTree>
+      <p:nvGrpSpPr>
+        <p:cNvPr id="1" name=""/>
+        <p:cNvGrpSpPr/>
+        <p:nvPr/>
+      </p:nvGrpSpPr>
+      <p:grpSpPr>
+        <a:xfrm>
+          <a:off x="0" y="0"/>
+          <a:ext cx="0" cy="0"/>
+          <a:chOff x="0" y="0"/>
+          <a:chExt cx="0" cy="0"/>
+        </a:xfrm>
+      </p:grpSpPr>
+      <p:sp>
+        <p:nvSpPr>
+          <p:cNvPr id="2" name="Title 1">
+            <a:extLst>
+              <a:ext uri="{FF2B5EF4-FFF2-40B4-BE49-F238E27FC236}">
                 <a16:creationId xmlns:a16="http://schemas.microsoft.com/office/drawing/2014/main" id="{987922DB-134A-4BF1-A6E4-B70AD4B530F3}"/>
               </a:ext>
             </a:extLst>
@@ -4141,7 +4387,7 @@
 </p:sld>
 </file>
 
-<file path=ppt/slides/slide6.xml><?xml version="1.0" encoding="utf-8"?>
+<file path=ppt/slides/slide7.xml><?xml version="1.0" encoding="utf-8"?>
 <p:sld xmlns:a="http://schemas.openxmlformats.org/drawingml/2006/main" xmlns:r="http://schemas.openxmlformats.org/officeDocument/2006/relationships" xmlns:p="http://schemas.openxmlformats.org/presentationml/2006/main">
   <p:cSld>
     <p:bg>
@@ -4499,7 +4745,7 @@
 </p:sld>
 </file>
 
-<file path=ppt/slides/slide7.xml><?xml version="1.0" encoding="utf-8"?>
+<file path=ppt/slides/slide8.xml><?xml version="1.0" encoding="utf-8"?>
 <p:sld xmlns:a="http://schemas.openxmlformats.org/drawingml/2006/main" xmlns:r="http://schemas.openxmlformats.org/officeDocument/2006/relationships" xmlns:p="http://schemas.openxmlformats.org/presentationml/2006/main">
   <p:cSld>
     <p:bg>
@@ -5149,6 +5395,24 @@
 </file>
 
 <file path=customXml/item1.xml><?xml version="1.0" encoding="utf-8"?>
+<p:properties xmlns:p="http://schemas.microsoft.com/office/2006/metadata/properties" xmlns:xsi="http://www.w3.org/2001/XMLSchema-instance" xmlns:pc="http://schemas.microsoft.com/office/infopath/2007/PartnerControls">
+  <documentManagement>
+    <Status xmlns="71af3243-3dd4-4a8d-8c0d-dd76da1f02a5">Not started</Status>
+    <MediaServiceKeyPoints xmlns="71af3243-3dd4-4a8d-8c0d-dd76da1f02a5" xsi:nil="true"/>
+  </documentManagement>
+</p:properties>
+</file>
+
+<file path=customXml/item2.xml><?xml version="1.0" encoding="utf-8"?>
+<?mso-contentType ?>
+<FormTemplates xmlns="http://schemas.microsoft.com/sharepoint/v3/contenttype/forms">
+  <Display>DocumentLibraryForm</Display>
+  <Edit>DocumentLibraryForm</Edit>
+  <New>DocumentLibraryForm</New>
+</FormTemplates>
+</file>
+
+<file path=customXml/item3.xml><?xml version="1.0" encoding="utf-8"?>
 <ct:contentTypeSchema xmlns:ct="http://schemas.microsoft.com/office/2006/metadata/contentType" xmlns:ma="http://schemas.microsoft.com/office/2006/metadata/properties/metaAttributes" ct:_="" ma:_="" ma:contentTypeName="Document" ma:contentTypeID="0x01010079F111ED35F8CC479449609E8A0923A6" ma:contentTypeVersion="12" ma:contentTypeDescription="Create a new document." ma:contentTypeScope="" ma:versionID="a410dd7f93c95333ffa1b60ed6adedd1">
   <xsd:schema xmlns:xsd="http://www.w3.org/2001/XMLSchema" xmlns:xs="http://www.w3.org/2001/XMLSchema" xmlns:p="http://schemas.microsoft.com/office/2006/metadata/properties" xmlns:ns2="71af3243-3dd4-4a8d-8c0d-dd76da1f02a5" xmlns:ns3="16c05727-aa75-4e4a-9b5f-8a80a1165891" targetNamespace="http://schemas.microsoft.com/office/2006/metadata/properties" ma:root="true" ma:fieldsID="a936d9baba76aa3866493feff160faab" ns2:_="" ns3:_="">
     <xsd:import namespace="71af3243-3dd4-4a8d-8c0d-dd76da1f02a5"/>
@@ -5369,25 +5633,25 @@
 </ct:contentTypeSchema>
 </file>
 
-<file path=customXml/item2.xml><?xml version="1.0" encoding="utf-8"?>
-<?mso-contentType ?>
-<FormTemplates xmlns="http://schemas.microsoft.com/sharepoint/v3/contenttype/forms">
-  <Display>DocumentLibraryForm</Display>
-  <Edit>DocumentLibraryForm</Edit>
-  <New>DocumentLibraryForm</New>
-</FormTemplates>
+<file path=customXml/itemProps1.xml><?xml version="1.0" encoding="utf-8"?>
+<ds:datastoreItem xmlns:ds="http://schemas.openxmlformats.org/officeDocument/2006/customXml" ds:itemID="{A03EEFF0-FB57-4CB4-8BFC-DF397689E2ED}">
+  <ds:schemaRefs>
+    <ds:schemaRef ds:uri="http://schemas.microsoft.com/office/2006/metadata/properties"/>
+    <ds:schemaRef ds:uri="http://schemas.microsoft.com/office/infopath/2007/PartnerControls"/>
+    <ds:schemaRef ds:uri="71af3243-3dd4-4a8d-8c0d-dd76da1f02a5"/>
+  </ds:schemaRefs>
+</ds:datastoreItem>
 </file>
 
-<file path=customXml/item3.xml><?xml version="1.0" encoding="utf-8"?>
-<p:properties xmlns:p="http://schemas.microsoft.com/office/2006/metadata/properties" xmlns:xsi="http://www.w3.org/2001/XMLSchema-instance" xmlns:pc="http://schemas.microsoft.com/office/infopath/2007/PartnerControls">
-  <documentManagement>
-    <Status xmlns="71af3243-3dd4-4a8d-8c0d-dd76da1f02a5">Not started</Status>
-    <MediaServiceKeyPoints xmlns="71af3243-3dd4-4a8d-8c0d-dd76da1f02a5" xsi:nil="true"/>
-  </documentManagement>
-</p:properties>
+<file path=customXml/itemProps2.xml><?xml version="1.0" encoding="utf-8"?>
+<ds:datastoreItem xmlns:ds="http://schemas.openxmlformats.org/officeDocument/2006/customXml" ds:itemID="{AA3F7EDC-E5B4-4BBC-9D2A-CBE6D46C37AD}">
+  <ds:schemaRefs>
+    <ds:schemaRef ds:uri="http://schemas.microsoft.com/sharepoint/v3/contenttype/forms"/>
+  </ds:schemaRefs>
+</ds:datastoreItem>
 </file>
 
-<file path=customXml/itemProps1.xml><?xml version="1.0" encoding="utf-8"?>
+<file path=customXml/itemProps3.xml><?xml version="1.0" encoding="utf-8"?>
 <ds:datastoreItem xmlns:ds="http://schemas.openxmlformats.org/officeDocument/2006/customXml" ds:itemID="{93932EF5-314F-409E-8020-FEE5FA0795B9}">
   <ds:schemaRefs>
     <ds:schemaRef ds:uri="http://schemas.microsoft.com/office/2006/metadata/contentType"/>
@@ -5404,22 +5668,4 @@
     <ds:schemaRef ds:uri="http://schemas.microsoft.com/internal/obd"/>
   </ds:schemaRefs>
 </ds:datastoreItem>
-</file>
-
-<file path=customXml/itemProps2.xml><?xml version="1.0" encoding="utf-8"?>
-<ds:datastoreItem xmlns:ds="http://schemas.openxmlformats.org/officeDocument/2006/customXml" ds:itemID="{AA3F7EDC-E5B4-4BBC-9D2A-CBE6D46C37AD}">
-  <ds:schemaRefs>
-    <ds:schemaRef ds:uri="http://schemas.microsoft.com/sharepoint/v3/contenttype/forms"/>
-  </ds:schemaRefs>
-</ds:datastoreItem>
-</file>
-
-<file path=customXml/itemProps3.xml><?xml version="1.0" encoding="utf-8"?>
-<ds:datastoreItem xmlns:ds="http://schemas.openxmlformats.org/officeDocument/2006/customXml" ds:itemID="{A03EEFF0-FB57-4CB4-8BFC-DF397689E2ED}">
-  <ds:schemaRefs>
-    <ds:schemaRef ds:uri="http://schemas.microsoft.com/office/2006/metadata/properties"/>
-    <ds:schemaRef ds:uri="http://schemas.microsoft.com/office/infopath/2007/PartnerControls"/>
-    <ds:schemaRef ds:uri="71af3243-3dd4-4a8d-8c0d-dd76da1f02a5"/>
-  </ds:schemaRefs>
-</ds:datastoreItem>
 </file>